--- a/Docker.pptx
+++ b/Docker.pptx
@@ -50901,9 +50901,84 @@
           <a:lstStyle/>
           <a:p>
             <a:r>
-              <a:rPr lang="de-DE" sz="1600" dirty="0"/>
+              <a:rPr lang="de-DE" sz="1600" dirty="0">
+                <a:hlinkClick r:id="rId3"/>
+              </a:rPr>
               <a:t>https://docs.docker.com/guides/</a:t>
             </a:r>
+            <a:endParaRPr lang="de-DE" sz="1600" dirty="0"/>
+          </a:p>
+          <a:p>
+            <a:r>
+              <a:rPr lang="de-DE" sz="1600" dirty="0">
+                <a:hlinkClick r:id="rId4"/>
+              </a:rPr>
+              <a:t>https://www.redhat.com/de/</a:t>
+            </a:r>
+            <a:r>
+              <a:rPr lang="de-DE" sz="1600" dirty="0" err="1">
+                <a:hlinkClick r:id="rId4"/>
+              </a:rPr>
+              <a:t>topics</a:t>
+            </a:r>
+            <a:r>
+              <a:rPr lang="de-DE" sz="1600" dirty="0">
+                <a:hlinkClick r:id="rId4"/>
+              </a:rPr>
+              <a:t>/</a:t>
+            </a:r>
+            <a:r>
+              <a:rPr lang="de-DE" sz="1600" dirty="0" err="1">
+                <a:hlinkClick r:id="rId4"/>
+              </a:rPr>
+              <a:t>containers</a:t>
+            </a:r>
+            <a:r>
+              <a:rPr lang="de-DE" sz="1600" dirty="0">
+                <a:hlinkClick r:id="rId4"/>
+              </a:rPr>
+              <a:t>/</a:t>
+            </a:r>
+            <a:r>
+              <a:rPr lang="de-DE" sz="1600" dirty="0" err="1">
+                <a:hlinkClick r:id="rId4"/>
+              </a:rPr>
+              <a:t>what</a:t>
+            </a:r>
+            <a:r>
+              <a:rPr lang="de-DE" sz="1600" dirty="0">
+                <a:hlinkClick r:id="rId4"/>
+              </a:rPr>
+              <a:t>-</a:t>
+            </a:r>
+            <a:r>
+              <a:rPr lang="de-DE" sz="1600" dirty="0" err="1">
+                <a:hlinkClick r:id="rId4"/>
+              </a:rPr>
+              <a:t>is</a:t>
+            </a:r>
+            <a:r>
+              <a:rPr lang="de-DE" sz="1600" dirty="0">
+                <a:hlinkClick r:id="rId4"/>
+              </a:rPr>
+              <a:t>-docker#:~:text=Die%20Docker-Technologie%20verwendet%20den,getrennt%20voneinander%20ausführen%20zu%20können</a:t>
+            </a:r>
+            <a:r>
+              <a:rPr lang="de-DE" sz="1600" dirty="0"/>
+              <a:t>.</a:t>
+            </a:r>
+          </a:p>
+          <a:p>
+            <a:r>
+              <a:rPr lang="de-DE" sz="1600" dirty="0">
+                <a:hlinkClick r:id="rId5"/>
+              </a:rPr>
+              <a:t>https://docs.docker.com/guides/docker-concepts/</a:t>
+            </a:r>
+            <a:endParaRPr lang="de-DE" sz="1600" dirty="0"/>
+          </a:p>
+          <a:p>
+            <a:endParaRPr lang="de-DE" sz="1600" dirty="0"/>
           </a:p>
         </p:txBody>
       </p:sp>

--- a/Docker.pptx
+++ b/Docker.pptx
@@ -15058,7 +15058,7 @@
           <a:p>
             <a:fld id="{EB856393-AC84-4221-B1AC-965151812BF3}" type="datetimeFigureOut">
               <a:rPr lang="de-DE" smtClean="0"/>
-              <a:t>29.05.2024</a:t>
+              <a:t>06.06.2024</a:t>
             </a:fld>
             <a:endParaRPr lang="de-DE"/>
           </a:p>
@@ -15945,6 +15945,324 @@
                 <a:latin typeface="ui-sans-serif"/>
               </a:rPr>
               <a:t>, um die Erstellung und Konfiguration von Containern zu automatisieren und zu vereinfachen.</a:t>
+            </a:r>
+          </a:p>
+          <a:p>
+            <a:endParaRPr lang="de-DE" b="0" i="0" dirty="0">
+              <a:solidFill>
+                <a:srgbClr val="ECECEC"/>
+              </a:solidFill>
+              <a:effectLst/>
+              <a:highlight>
+                <a:srgbClr val="212121"/>
+              </a:highlight>
+              <a:latin typeface="ui-sans-serif"/>
+            </a:endParaRPr>
+          </a:p>
+          <a:p>
+            <a:r>
+              <a:rPr lang="de-DE" b="0" i="0" dirty="0">
+                <a:solidFill>
+                  <a:srgbClr val="ECECEC"/>
+                </a:solidFill>
+                <a:effectLst/>
+                <a:highlight>
+                  <a:srgbClr val="212121"/>
+                </a:highlight>
+                <a:latin typeface="ui-sans-serif"/>
+              </a:rPr>
+              <a:t>Falls wer fragt!</a:t>
+            </a:r>
+          </a:p>
+          <a:p>
+            <a:pPr algn="l"/>
+            <a:r>
+              <a:rPr lang="de-DE" b="0" i="0" dirty="0">
+                <a:solidFill>
+                  <a:srgbClr val="E8E8E8"/>
+                </a:solidFill>
+                <a:effectLst/>
+                <a:highlight>
+                  <a:srgbClr val="1F1F1F"/>
+                </a:highlight>
+                <a:latin typeface="Google Sans"/>
+              </a:rPr>
+              <a:t>Control Groups oder kurz </a:t>
+            </a:r>
+            <a:r>
+              <a:rPr lang="de-DE" b="0" i="0" dirty="0" err="1">
+                <a:solidFill>
+                  <a:srgbClr val="E8E8E8"/>
+                </a:solidFill>
+                <a:effectLst/>
+                <a:highlight>
+                  <a:srgbClr val="1F1F1F"/>
+                </a:highlight>
+                <a:latin typeface="Google Sans"/>
+              </a:rPr>
+              <a:t>cgroups</a:t>
+            </a:r>
+            <a:r>
+              <a:rPr lang="de-DE" b="0" i="0" dirty="0">
+                <a:solidFill>
+                  <a:srgbClr val="E8E8E8"/>
+                </a:solidFill>
+                <a:effectLst/>
+                <a:highlight>
+                  <a:srgbClr val="1F1F1F"/>
+                </a:highlight>
+                <a:latin typeface="Google Sans"/>
+              </a:rPr>
+              <a:t> sind </a:t>
+            </a:r>
+            <a:r>
+              <a:rPr lang="de-DE" b="0" i="0" dirty="0">
+                <a:solidFill>
+                  <a:srgbClr val="E2EEFF"/>
+                </a:solidFill>
+                <a:effectLst/>
+                <a:latin typeface="Google Sans"/>
+              </a:rPr>
+              <a:t>ein Teil des Linux-Systemkerns, mit dem sich die Nutzung von Ressourcen durch Prozesse beschränken und überwachen lässt</a:t>
+            </a:r>
+            <a:r>
+              <a:rPr lang="de-DE" b="0" i="0">
+                <a:solidFill>
+                  <a:srgbClr val="E8E8E8"/>
+                </a:solidFill>
+                <a:effectLst/>
+                <a:highlight>
+                  <a:srgbClr val="1F1F1F"/>
+                </a:highlight>
+                <a:latin typeface="Google Sans"/>
+              </a:rPr>
+              <a:t>. </a:t>
+            </a:r>
+            <a:endParaRPr lang="de-DE" b="0" i="0" dirty="0">
+              <a:solidFill>
+                <a:srgbClr val="E8E8E8"/>
+              </a:solidFill>
+              <a:effectLst/>
+              <a:highlight>
+                <a:srgbClr val="1F1F1F"/>
+              </a:highlight>
+              <a:latin typeface="Google Sans"/>
+            </a:endParaRPr>
+          </a:p>
+          <a:p>
+            <a:pPr algn="l"/>
+            <a:r>
+              <a:rPr lang="de-DE" b="0" i="0" dirty="0">
+                <a:solidFill>
+                  <a:srgbClr val="FFFFFF"/>
+                </a:solidFill>
+                <a:effectLst/>
+                <a:highlight>
+                  <a:srgbClr val="303030"/>
+                </a:highlight>
+                <a:latin typeface="Bitter VF"/>
+              </a:rPr>
+              <a:t>Prozesse oder Tasks sind unter Linux von vornherein </a:t>
+            </a:r>
+            <a:r>
+              <a:rPr lang="de-DE" b="0" i="0" u="none" strike="noStrike" dirty="0">
+                <a:solidFill>
+                  <a:srgbClr val="FFFFFF"/>
+                </a:solidFill>
+                <a:effectLst/>
+                <a:highlight>
+                  <a:srgbClr val="303030"/>
+                </a:highlight>
+                <a:latin typeface="inherit"/>
+                <a:hlinkClick r:id="rId3"/>
+              </a:rPr>
+              <a:t>hierarchisch</a:t>
+            </a:r>
+            <a:r>
+              <a:rPr lang="de-DE" b="0" i="0" dirty="0">
+                <a:solidFill>
+                  <a:srgbClr val="FFFFFF"/>
+                </a:solidFill>
+                <a:effectLst/>
+                <a:highlight>
+                  <a:srgbClr val="303030"/>
+                </a:highlight>
+                <a:latin typeface="Bitter VF"/>
+              </a:rPr>
+              <a:t> organisiert. Jeder Task muss von einem anderen gestartet werden. Dabei erbt er mehrere Eigenschaften wie Nice-Level und I/O-Priorität des aufrufenden Prozesses. Analog dazu sind Control Groups hierarchisch strukturierte Gruppen von Prozessen. Ein wesentlicher Unterschied ist, dass es mehrere Gruppen-Hierarchien geben kann, während immer nur einen Prozess-Baum existiert.</a:t>
+            </a:r>
+          </a:p>
+          <a:p>
+            <a:pPr algn="l"/>
+            <a:r>
+              <a:rPr lang="de-DE" b="0" i="0" dirty="0">
+                <a:solidFill>
+                  <a:srgbClr val="FFFFFF"/>
+                </a:solidFill>
+                <a:effectLst/>
+                <a:highlight>
+                  <a:srgbClr val="303030"/>
+                </a:highlight>
+                <a:latin typeface="Bitter VF"/>
+              </a:rPr>
+              <a:t>Mithilfe von </a:t>
+            </a:r>
+            <a:r>
+              <a:rPr lang="de-DE" b="0" i="0" dirty="0" err="1">
+                <a:solidFill>
+                  <a:srgbClr val="FFFFFF"/>
+                </a:solidFill>
+                <a:effectLst/>
+                <a:highlight>
+                  <a:srgbClr val="303030"/>
+                </a:highlight>
+                <a:latin typeface="Bitter VF"/>
+              </a:rPr>
+              <a:t>cgroups</a:t>
+            </a:r>
+            <a:r>
+              <a:rPr lang="de-DE" b="0" i="0" dirty="0">
+                <a:solidFill>
+                  <a:srgbClr val="FFFFFF"/>
+                </a:solidFill>
+                <a:effectLst/>
+                <a:highlight>
+                  <a:srgbClr val="303030"/>
+                </a:highlight>
+                <a:latin typeface="Bitter VF"/>
+              </a:rPr>
+              <a:t> lassen sich zusammengehörige Prozesse gruppieren, beispielsweise nach Arbeitsteams, Software-</a:t>
+            </a:r>
+            <a:r>
+              <a:rPr lang="de-DE" b="0" i="0" u="none" strike="noStrike" dirty="0">
+                <a:solidFill>
+                  <a:srgbClr val="FFFFFF"/>
+                </a:solidFill>
+                <a:effectLst/>
+                <a:highlight>
+                  <a:srgbClr val="303030"/>
+                </a:highlight>
+                <a:latin typeface="inherit"/>
+                <a:hlinkClick r:id="rId4"/>
+              </a:rPr>
+              <a:t>Containern</a:t>
+            </a:r>
+            <a:r>
+              <a:rPr lang="de-DE" b="0" i="0" dirty="0">
+                <a:solidFill>
+                  <a:srgbClr val="FFFFFF"/>
+                </a:solidFill>
+                <a:effectLst/>
+                <a:highlight>
+                  <a:srgbClr val="303030"/>
+                </a:highlight>
+                <a:latin typeface="Bitter VF"/>
+              </a:rPr>
+              <a:t> oder virtuellen Servern. Auf diese Weise können Kontrollgruppen verschiedenen Subsystemen für das Ressource-Management zugeordnet werden. Jedes Subsystem (auch </a:t>
+            </a:r>
+            <a:r>
+              <a:rPr lang="de-DE" b="0" i="0" dirty="0" err="1">
+                <a:solidFill>
+                  <a:srgbClr val="FFFFFF"/>
+                </a:solidFill>
+                <a:effectLst/>
+                <a:highlight>
+                  <a:srgbClr val="303030"/>
+                </a:highlight>
+                <a:latin typeface="Bitter VF"/>
+              </a:rPr>
+              <a:t>resource</a:t>
+            </a:r>
+            <a:r>
+              <a:rPr lang="de-DE" b="0" i="0" dirty="0">
+                <a:solidFill>
+                  <a:srgbClr val="FFFFFF"/>
+                </a:solidFill>
+                <a:effectLst/>
+                <a:highlight>
+                  <a:srgbClr val="303030"/>
+                </a:highlight>
+                <a:latin typeface="Bitter VF"/>
+              </a:rPr>
+              <a:t> </a:t>
+            </a:r>
+            <a:r>
+              <a:rPr lang="de-DE" b="0" i="0" dirty="0" err="1">
+                <a:solidFill>
+                  <a:srgbClr val="FFFFFF"/>
+                </a:solidFill>
+                <a:effectLst/>
+                <a:highlight>
+                  <a:srgbClr val="303030"/>
+                </a:highlight>
+                <a:latin typeface="Bitter VF"/>
+              </a:rPr>
+              <a:t>controller</a:t>
+            </a:r>
+            <a:r>
+              <a:rPr lang="de-DE" b="0" i="0" dirty="0">
+                <a:solidFill>
+                  <a:srgbClr val="FFFFFF"/>
+                </a:solidFill>
+                <a:effectLst/>
+                <a:highlight>
+                  <a:srgbClr val="303030"/>
+                </a:highlight>
+                <a:latin typeface="Bitter VF"/>
+              </a:rPr>
+              <a:t> genannt) entspricht einer vom Kernel verwalteten Ressource.</a:t>
+            </a:r>
+          </a:p>
+          <a:p>
+            <a:endParaRPr lang="de-DE" b="0" i="0" dirty="0">
+              <a:solidFill>
+                <a:srgbClr val="E8E8E8"/>
+              </a:solidFill>
+              <a:effectLst/>
+              <a:highlight>
+                <a:srgbClr val="1F1F1F"/>
+              </a:highlight>
+              <a:latin typeface="Google Sans"/>
+            </a:endParaRPr>
+          </a:p>
+          <a:p>
+            <a:endParaRPr lang="de-DE" b="0" i="0" dirty="0">
+              <a:solidFill>
+                <a:srgbClr val="ECECEC"/>
+              </a:solidFill>
+              <a:effectLst/>
+              <a:highlight>
+                <a:srgbClr val="212121"/>
+              </a:highlight>
+              <a:latin typeface="ui-sans-serif"/>
+            </a:endParaRPr>
+          </a:p>
+          <a:p>
+            <a:r>
+              <a:rPr lang="de-DE" b="0" i="0" dirty="0">
+                <a:solidFill>
+                  <a:srgbClr val="BDC1C6"/>
+                </a:solidFill>
+                <a:effectLst/>
+                <a:highlight>
+                  <a:srgbClr val="1F1F1F"/>
+                </a:highlight>
+                <a:latin typeface="arial" panose="020B0604020202020204" pitchFamily="34" charset="0"/>
+              </a:rPr>
+              <a:t>Namespaces sind eine Funktion des Linux-Kernels, die Kernelressourcen so partitioniert, dass eine Gruppe von Prozessen eine Gruppe von Ressourcen sieht, während eine andere Gruppe von Prozessen eine andere Gruppe von Ressourcen sieht.(</a:t>
+            </a:r>
+            <a:r>
+              <a:rPr lang="en-US" b="1" i="0" dirty="0">
+                <a:solidFill>
+                  <a:srgbClr val="000000"/>
+                </a:solidFill>
+                <a:effectLst/>
+                <a:highlight>
+                  <a:srgbClr val="FFFFFF"/>
+                </a:highlight>
+                <a:latin typeface="Raleway" panose="020F0502020204030204" pitchFamily="2" charset="0"/>
+              </a:rPr>
+              <a:t> own file system, network, hostname,)</a:t>
             </a:r>
             <a:endParaRPr lang="de-DE" dirty="0"/>
           </a:p>
@@ -18066,7 +18384,7 @@
           <a:p>
             <a:fld id="{F8003B0D-FE4C-4DFF-A2C9-0AC2BD38D17C}" type="datetimeFigureOut">
               <a:rPr lang="de-DE" smtClean="0"/>
-              <a:t>29.05.2024</a:t>
+              <a:t>06.06.2024</a:t>
             </a:fld>
             <a:endParaRPr lang="de-DE"/>
           </a:p>
@@ -19525,7 +19843,7 @@
           <a:p>
             <a:fld id="{F8003B0D-FE4C-4DFF-A2C9-0AC2BD38D17C}" type="datetimeFigureOut">
               <a:rPr lang="de-DE" smtClean="0"/>
-              <a:t>29.05.2024</a:t>
+              <a:t>06.06.2024</a:t>
             </a:fld>
             <a:endParaRPr lang="de-DE"/>
           </a:p>
@@ -20978,7 +21296,7 @@
           <a:p>
             <a:fld id="{F8003B0D-FE4C-4DFF-A2C9-0AC2BD38D17C}" type="datetimeFigureOut">
               <a:rPr lang="de-DE" smtClean="0"/>
-              <a:t>29.05.2024</a:t>
+              <a:t>06.06.2024</a:t>
             </a:fld>
             <a:endParaRPr lang="de-DE"/>
           </a:p>
@@ -22433,7 +22751,7 @@
           <a:p>
             <a:fld id="{F8003B0D-FE4C-4DFF-A2C9-0AC2BD38D17C}" type="datetimeFigureOut">
               <a:rPr lang="de-DE" smtClean="0"/>
-              <a:t>29.05.2024</a:t>
+              <a:t>06.06.2024</a:t>
             </a:fld>
             <a:endParaRPr lang="de-DE"/>
           </a:p>
@@ -23941,7 +24259,7 @@
           <a:p>
             <a:fld id="{F8003B0D-FE4C-4DFF-A2C9-0AC2BD38D17C}" type="datetimeFigureOut">
               <a:rPr lang="de-DE" smtClean="0"/>
-              <a:t>29.05.2024</a:t>
+              <a:t>06.06.2024</a:t>
             </a:fld>
             <a:endParaRPr lang="de-DE"/>
           </a:p>
@@ -25462,7 +25780,7 @@
           <a:p>
             <a:fld id="{F8003B0D-FE4C-4DFF-A2C9-0AC2BD38D17C}" type="datetimeFigureOut">
               <a:rPr lang="de-DE" smtClean="0"/>
-              <a:t>29.05.2024</a:t>
+              <a:t>06.06.2024</a:t>
             </a:fld>
             <a:endParaRPr lang="de-DE"/>
           </a:p>
@@ -27127,7 +27445,7 @@
           <a:p>
             <a:fld id="{F8003B0D-FE4C-4DFF-A2C9-0AC2BD38D17C}" type="datetimeFigureOut">
               <a:rPr lang="de-DE" smtClean="0"/>
-              <a:t>29.05.2024</a:t>
+              <a:t>06.06.2024</a:t>
             </a:fld>
             <a:endParaRPr lang="de-DE"/>
           </a:p>
@@ -28525,7 +28843,7 @@
           <a:p>
             <a:fld id="{F8003B0D-FE4C-4DFF-A2C9-0AC2BD38D17C}" type="datetimeFigureOut">
               <a:rPr lang="de-DE" smtClean="0"/>
-              <a:t>29.05.2024</a:t>
+              <a:t>06.06.2024</a:t>
             </a:fld>
             <a:endParaRPr lang="de-DE"/>
           </a:p>
@@ -28625,7 +28943,7 @@
           <a:p>
             <a:fld id="{F8003B0D-FE4C-4DFF-A2C9-0AC2BD38D17C}" type="datetimeFigureOut">
               <a:rPr lang="de-DE" smtClean="0"/>
-              <a:t>29.05.2024</a:t>
+              <a:t>06.06.2024</a:t>
             </a:fld>
             <a:endParaRPr lang="de-DE"/>
           </a:p>
@@ -30151,7 +30469,7 @@
           <a:p>
             <a:fld id="{F8003B0D-FE4C-4DFF-A2C9-0AC2BD38D17C}" type="datetimeFigureOut">
               <a:rPr lang="de-DE" smtClean="0"/>
-              <a:t>29.05.2024</a:t>
+              <a:t>06.06.2024</a:t>
             </a:fld>
             <a:endParaRPr lang="de-DE"/>
           </a:p>
@@ -31687,7 +32005,7 @@
           <a:p>
             <a:fld id="{F8003B0D-FE4C-4DFF-A2C9-0AC2BD38D17C}" type="datetimeFigureOut">
               <a:rPr lang="de-DE" smtClean="0"/>
-              <a:t>29.05.2024</a:t>
+              <a:t>06.06.2024</a:t>
             </a:fld>
             <a:endParaRPr lang="de-DE"/>
           </a:p>
@@ -31910,7 +32228,7 @@
           <a:p>
             <a:fld id="{F8003B0D-FE4C-4DFF-A2C9-0AC2BD38D17C}" type="datetimeFigureOut">
               <a:rPr lang="de-DE" smtClean="0"/>
-              <a:t>29.05.2024</a:t>
+              <a:t>06.06.2024</a:t>
             </a:fld>
             <a:endParaRPr lang="de-DE"/>
           </a:p>
@@ -48927,7 +49245,7 @@
               <a:buNone/>
             </a:pPr>
             <a:r>
-              <a:rPr lang="de-DE" sz="1600"/>
+              <a:rPr lang="de-DE" sz="1600" dirty="0"/>
               <a:t>Erstellen eines Docker-Images</a:t>
             </a:r>
           </a:p>
@@ -48936,8 +49254,24 @@
               <a:buNone/>
             </a:pPr>
             <a:r>
-              <a:rPr lang="de-DE" sz="1600"/>
-              <a:t> docker build -t meine-java-app .</a:t>
+              <a:rPr lang="de-DE" sz="1600" dirty="0"/>
+              <a:t> </a:t>
+            </a:r>
+            <a:r>
+              <a:rPr lang="de-DE" sz="1600" dirty="0" err="1"/>
+              <a:t>docker</a:t>
+            </a:r>
+            <a:r>
+              <a:rPr lang="de-DE" sz="1600" dirty="0"/>
+              <a:t> </a:t>
+            </a:r>
+            <a:r>
+              <a:rPr lang="de-DE" sz="1600" dirty="0" err="1"/>
+              <a:t>build</a:t>
+            </a:r>
+            <a:r>
+              <a:rPr lang="de-DE" sz="1600" dirty="0"/>
+              <a:t> -t meine-java-app .</a:t>
             </a:r>
           </a:p>
           <a:p>
@@ -48945,7 +49279,7 @@
               <a:buNone/>
             </a:pPr>
             <a:r>
-              <a:rPr lang="de-DE" sz="1600"/>
+              <a:rPr lang="de-DE" sz="1600" dirty="0"/>
               <a:t>Ausführen eines Docker-Containers</a:t>
             </a:r>
           </a:p>
@@ -48954,8 +49288,20 @@
               <a:buNone/>
             </a:pPr>
             <a:r>
-              <a:rPr lang="de-DE" sz="1600"/>
-              <a:t>docker run -d -p 8080:8080 meine-java-app</a:t>
+              <a:rPr lang="de-DE" sz="1600" dirty="0" err="1"/>
+              <a:t>docker</a:t>
+            </a:r>
+            <a:r>
+              <a:rPr lang="de-DE" sz="1600" dirty="0"/>
+              <a:t> </a:t>
+            </a:r>
+            <a:r>
+              <a:rPr lang="de-DE" sz="1600" dirty="0" err="1"/>
+              <a:t>run</a:t>
+            </a:r>
+            <a:r>
+              <a:rPr lang="de-DE" sz="1600" dirty="0"/>
+              <a:t> -d -p 8080:8080 meine-java-app</a:t>
             </a:r>
           </a:p>
           <a:p>
@@ -48963,7 +49309,7 @@
               <a:buNone/>
             </a:pPr>
             <a:r>
-              <a:rPr lang="de-DE" sz="1600"/>
+              <a:rPr lang="de-DE" sz="1600" dirty="0"/>
               <a:t>Laufende Container anzeigen:</a:t>
             </a:r>
           </a:p>
@@ -48972,8 +49318,12 @@
               <a:buNone/>
             </a:pPr>
             <a:r>
-              <a:rPr lang="de-DE" sz="1600"/>
-              <a:t>docker ps</a:t>
+              <a:rPr lang="de-DE" sz="1600" dirty="0" err="1"/>
+              <a:t>docker</a:t>
+            </a:r>
+            <a:r>
+              <a:rPr lang="de-DE" sz="1600" dirty="0"/>
+              <a:t> ps</a:t>
             </a:r>
           </a:p>
           <a:p>
@@ -48981,7 +49331,7 @@
               <a:buNone/>
             </a:pPr>
             <a:r>
-              <a:rPr lang="de-DE" sz="1600"/>
+              <a:rPr lang="de-DE" sz="1600" dirty="0"/>
               <a:t>Container stoppen:</a:t>
             </a:r>
           </a:p>
@@ -48990,18 +49340,38 @@
               <a:buNone/>
             </a:pPr>
             <a:r>
-              <a:rPr lang="de-DE" sz="1600"/>
-              <a:t>docker stop &lt;container-id&gt;</a:t>
+              <a:rPr lang="de-DE" sz="1600" dirty="0" err="1"/>
+              <a:t>docker</a:t>
+            </a:r>
+            <a:r>
+              <a:rPr lang="de-DE" sz="1600" dirty="0"/>
+              <a:t> </a:t>
+            </a:r>
+            <a:r>
+              <a:rPr lang="de-DE" sz="1600" dirty="0" err="1"/>
+              <a:t>stop</a:t>
+            </a:r>
+            <a:r>
+              <a:rPr lang="de-DE" sz="1600" dirty="0"/>
+              <a:t> &lt;container-</a:t>
+            </a:r>
+            <a:r>
+              <a:rPr lang="de-DE" sz="1600" dirty="0" err="1"/>
+              <a:t>id</a:t>
+            </a:r>
+            <a:r>
+              <a:rPr lang="de-DE" sz="1600" dirty="0"/>
+              <a:t>&gt;</a:t>
             </a:r>
           </a:p>
           <a:p>
             <a:pPr marL="0" indent="0">
               <a:buNone/>
             </a:pPr>
-            <a:endParaRPr lang="de-DE" sz="1600"/>
+            <a:endParaRPr lang="de-DE" sz="1600" dirty="0"/>
           </a:p>
           <a:p>
-            <a:endParaRPr lang="de-DE" sz="1600"/>
+            <a:endParaRPr lang="de-DE" sz="1600" dirty="0"/>
           </a:p>
         </p:txBody>
       </p:sp>

--- a/Docker.pptx
+++ b/Docker.pptx
@@ -34380,11 +34380,14 @@
           <a:lstStyle/>
           <a:p>
             <a:pPr algn="l"/>
-            <a:endParaRPr lang="de-DE" sz="2400">
-              <a:solidFill>
-                <a:schemeClr val="tx1"/>
-              </a:solidFill>
-            </a:endParaRPr>
+            <a:r>
+              <a:rPr lang="de-DE" sz="2400">
+                <a:solidFill>
+                  <a:schemeClr val="tx1"/>
+                </a:solidFill>
+              </a:rPr>
+              <a:t>Rico Flemming  0584322</a:t>
+            </a:r>
           </a:p>
         </p:txBody>
       </p:sp>
